--- a/強化学習/強化学習マップ.pptx
+++ b/強化学習/強化学習マップ.pptx
@@ -104,6 +104,11 @@
       </a:defRPr>
     </a:lvl9pPr>
   </p:defaultTextStyle>
+  <p:extLst>
+    <p:ext uri="{EFAFB233-063F-42B5-8137-9DF3F51BA10A}">
+      <p15:sldGuideLst xmlns:p15="http://schemas.microsoft.com/office/powerpoint/2012/main"/>
+    </p:ext>
+  </p:extLst>
 </p:presentation>
 </file>
 
@@ -254,7 +259,7 @@
           <a:p>
             <a:fld id="{B02796B9-FFE6-40AD-8F86-24F1C8C9A3F2}" type="datetimeFigureOut">
               <a:rPr kumimoji="1" lang="ja-JP" altLang="en-US" smtClean="0"/>
-              <a:t>2020/8/20</a:t>
+              <a:t>2020/9/14</a:t>
             </a:fld>
             <a:endParaRPr kumimoji="1" lang="ja-JP" altLang="en-US"/>
           </a:p>
@@ -484,7 +489,7 @@
           <a:p>
             <a:fld id="{B02796B9-FFE6-40AD-8F86-24F1C8C9A3F2}" type="datetimeFigureOut">
               <a:rPr kumimoji="1" lang="ja-JP" altLang="en-US" smtClean="0"/>
-              <a:t>2020/8/20</a:t>
+              <a:t>2020/9/14</a:t>
             </a:fld>
             <a:endParaRPr kumimoji="1" lang="ja-JP" altLang="en-US"/>
           </a:p>
@@ -724,7 +729,7 @@
           <a:p>
             <a:fld id="{B02796B9-FFE6-40AD-8F86-24F1C8C9A3F2}" type="datetimeFigureOut">
               <a:rPr kumimoji="1" lang="ja-JP" altLang="en-US" smtClean="0"/>
-              <a:t>2020/8/20</a:t>
+              <a:t>2020/9/14</a:t>
             </a:fld>
             <a:endParaRPr kumimoji="1" lang="ja-JP" altLang="en-US"/>
           </a:p>
@@ -954,7 +959,7 @@
           <a:p>
             <a:fld id="{B02796B9-FFE6-40AD-8F86-24F1C8C9A3F2}" type="datetimeFigureOut">
               <a:rPr kumimoji="1" lang="ja-JP" altLang="en-US" smtClean="0"/>
-              <a:t>2020/8/20</a:t>
+              <a:t>2020/9/14</a:t>
             </a:fld>
             <a:endParaRPr kumimoji="1" lang="ja-JP" altLang="en-US"/>
           </a:p>
@@ -1229,7 +1234,7 @@
           <a:p>
             <a:fld id="{B02796B9-FFE6-40AD-8F86-24F1C8C9A3F2}" type="datetimeFigureOut">
               <a:rPr kumimoji="1" lang="ja-JP" altLang="en-US" smtClean="0"/>
-              <a:t>2020/8/20</a:t>
+              <a:t>2020/9/14</a:t>
             </a:fld>
             <a:endParaRPr kumimoji="1" lang="ja-JP" altLang="en-US"/>
           </a:p>
@@ -1558,7 +1563,7 @@
           <a:p>
             <a:fld id="{B02796B9-FFE6-40AD-8F86-24F1C8C9A3F2}" type="datetimeFigureOut">
               <a:rPr kumimoji="1" lang="ja-JP" altLang="en-US" smtClean="0"/>
-              <a:t>2020/8/20</a:t>
+              <a:t>2020/9/14</a:t>
             </a:fld>
             <a:endParaRPr kumimoji="1" lang="ja-JP" altLang="en-US"/>
           </a:p>
@@ -2034,7 +2039,7 @@
           <a:p>
             <a:fld id="{B02796B9-FFE6-40AD-8F86-24F1C8C9A3F2}" type="datetimeFigureOut">
               <a:rPr kumimoji="1" lang="ja-JP" altLang="en-US" smtClean="0"/>
-              <a:t>2020/8/20</a:t>
+              <a:t>2020/9/14</a:t>
             </a:fld>
             <a:endParaRPr kumimoji="1" lang="ja-JP" altLang="en-US"/>
           </a:p>
@@ -2175,7 +2180,7 @@
           <a:p>
             <a:fld id="{B02796B9-FFE6-40AD-8F86-24F1C8C9A3F2}" type="datetimeFigureOut">
               <a:rPr kumimoji="1" lang="ja-JP" altLang="en-US" smtClean="0"/>
-              <a:t>2020/8/20</a:t>
+              <a:t>2020/9/14</a:t>
             </a:fld>
             <a:endParaRPr kumimoji="1" lang="ja-JP" altLang="en-US"/>
           </a:p>
@@ -2288,7 +2293,7 @@
           <a:p>
             <a:fld id="{B02796B9-FFE6-40AD-8F86-24F1C8C9A3F2}" type="datetimeFigureOut">
               <a:rPr kumimoji="1" lang="ja-JP" altLang="en-US" smtClean="0"/>
-              <a:t>2020/8/20</a:t>
+              <a:t>2020/9/14</a:t>
             </a:fld>
             <a:endParaRPr kumimoji="1" lang="ja-JP" altLang="en-US"/>
           </a:p>
@@ -2631,7 +2636,7 @@
           <a:p>
             <a:fld id="{B02796B9-FFE6-40AD-8F86-24F1C8C9A3F2}" type="datetimeFigureOut">
               <a:rPr kumimoji="1" lang="ja-JP" altLang="en-US" smtClean="0"/>
-              <a:t>2020/8/20</a:t>
+              <a:t>2020/9/14</a:t>
             </a:fld>
             <a:endParaRPr kumimoji="1" lang="ja-JP" altLang="en-US"/>
           </a:p>
@@ -2919,7 +2924,7 @@
           <a:p>
             <a:fld id="{B02796B9-FFE6-40AD-8F86-24F1C8C9A3F2}" type="datetimeFigureOut">
               <a:rPr kumimoji="1" lang="ja-JP" altLang="en-US" smtClean="0"/>
-              <a:t>2020/8/20</a:t>
+              <a:t>2020/9/14</a:t>
             </a:fld>
             <a:endParaRPr kumimoji="1" lang="ja-JP" altLang="en-US"/>
           </a:p>
@@ -3192,7 +3197,7 @@
           <a:p>
             <a:fld id="{B02796B9-FFE6-40AD-8F86-24F1C8C9A3F2}" type="datetimeFigureOut">
               <a:rPr kumimoji="1" lang="ja-JP" altLang="en-US" smtClean="0"/>
-              <a:t>2020/8/20</a:t>
+              <a:t>2020/9/14</a:t>
             </a:fld>
             <a:endParaRPr kumimoji="1" lang="ja-JP" altLang="en-US"/>
           </a:p>
@@ -4363,22 +4368,16 @@
               <a:t>　・</a:t>
             </a:r>
             <a:r>
-              <a:rPr lang="en-US" altLang="ja-JP" sz="1400" dirty="0" err="1">
-                <a:solidFill>
-                  <a:schemeClr val="tx1">
-                    <a:lumMod val="75000"/>
-                    <a:lumOff val="25000"/>
-                  </a:schemeClr>
+              <a:rPr lang="en-US" altLang="ja-JP" sz="1400" b="1" dirty="0" err="1">
+                <a:solidFill>
+                  <a:srgbClr val="C00000"/>
                 </a:solidFill>
               </a:rPr>
               <a:t>DuelingNet</a:t>
             </a:r>
-            <a:endParaRPr lang="en-US" altLang="ja-JP" sz="1400" dirty="0">
+            <a:endParaRPr lang="en-US" altLang="ja-JP" sz="1400" b="1" dirty="0">
               <a:solidFill>
-                <a:schemeClr val="tx1">
-                  <a:lumMod val="75000"/>
-                  <a:lumOff val="25000"/>
-                </a:schemeClr>
+                <a:srgbClr val="C00000"/>
               </a:solidFill>
             </a:endParaRPr>
           </a:p>
@@ -4449,50 +4448,6 @@
           <a:xfrm>
             <a:off x="2268576" y="3674430"/>
             <a:ext cx="620479" cy="0"/>
-          </a:xfrm>
-          <a:prstGeom prst="straightConnector1">
-            <a:avLst/>
-          </a:prstGeom>
-          <a:ln w="19050">
-            <a:prstDash val="dash"/>
-            <a:tailEnd type="triangle"/>
-          </a:ln>
-        </p:spPr>
-        <p:style>
-          <a:lnRef idx="1">
-            <a:schemeClr val="accent1"/>
-          </a:lnRef>
-          <a:fillRef idx="0">
-            <a:schemeClr val="accent1"/>
-          </a:fillRef>
-          <a:effectRef idx="0">
-            <a:schemeClr val="accent1"/>
-          </a:effectRef>
-          <a:fontRef idx="minor">
-            <a:schemeClr val="tx1"/>
-          </a:fontRef>
-        </p:style>
-      </p:cxnSp>
-      <p:cxnSp>
-        <p:nvCxnSpPr>
-          <p:cNvPr id="37" name="直線矢印コネクタ 36">
-            <a:extLst>
-              <a:ext uri="{FF2B5EF4-FFF2-40B4-BE49-F238E27FC236}">
-                <a16:creationId xmlns:a16="http://schemas.microsoft.com/office/drawing/2014/main" id="{A7EC0A5A-9733-4961-ABF0-16D0CBA389EF}"/>
-              </a:ext>
-            </a:extLst>
-          </p:cNvPr>
-          <p:cNvCxnSpPr>
-            <a:cxnSpLocks/>
-            <a:stCxn id="27" idx="3"/>
-            <a:endCxn id="134" idx="1"/>
-          </p:cNvCxnSpPr>
-          <p:nvPr/>
-        </p:nvCxnSpPr>
-        <p:spPr>
-          <a:xfrm>
-            <a:off x="5382843" y="3674430"/>
-            <a:ext cx="1365766" cy="0"/>
           </a:xfrm>
           <a:prstGeom prst="straightConnector1">
             <a:avLst/>
@@ -5461,6 +5416,50 @@
           <a:xfrm>
             <a:off x="7568632" y="1879290"/>
             <a:ext cx="0" cy="1088302"/>
+          </a:xfrm>
+          <a:prstGeom prst="straightConnector1">
+            <a:avLst/>
+          </a:prstGeom>
+          <a:ln w="19050">
+            <a:prstDash val="dash"/>
+            <a:tailEnd type="triangle"/>
+          </a:ln>
+        </p:spPr>
+        <p:style>
+          <a:lnRef idx="1">
+            <a:schemeClr val="accent1"/>
+          </a:lnRef>
+          <a:fillRef idx="0">
+            <a:schemeClr val="accent1"/>
+          </a:fillRef>
+          <a:effectRef idx="0">
+            <a:schemeClr val="accent1"/>
+          </a:effectRef>
+          <a:fontRef idx="minor">
+            <a:schemeClr val="tx1"/>
+          </a:fontRef>
+        </p:style>
+      </p:cxnSp>
+      <p:cxnSp>
+        <p:nvCxnSpPr>
+          <p:cNvPr id="37" name="直線矢印コネクタ 36">
+            <a:extLst>
+              <a:ext uri="{FF2B5EF4-FFF2-40B4-BE49-F238E27FC236}">
+                <a16:creationId xmlns:a16="http://schemas.microsoft.com/office/drawing/2014/main" id="{A7EC0A5A-9733-4961-ABF0-16D0CBA389EF}"/>
+              </a:ext>
+            </a:extLst>
+          </p:cNvPr>
+          <p:cNvCxnSpPr>
+            <a:cxnSpLocks/>
+            <a:stCxn id="27" idx="3"/>
+            <a:endCxn id="134" idx="1"/>
+          </p:cNvCxnSpPr>
+          <p:nvPr/>
+        </p:nvCxnSpPr>
+        <p:spPr>
+          <a:xfrm>
+            <a:off x="5382843" y="3674430"/>
+            <a:ext cx="1365766" cy="0"/>
           </a:xfrm>
           <a:prstGeom prst="straightConnector1">
             <a:avLst/>
